--- a/Kursac/КурсоваяПрезентация.pptx
+++ b/Kursac/КурсоваяПрезентация.pptx
@@ -7,12 +7,13 @@
   <p:sldIdLst>
     <p:sldId id="256" r:id="rId2"/>
     <p:sldId id="257" r:id="rId3"/>
-    <p:sldId id="258" r:id="rId4"/>
-    <p:sldId id="259" r:id="rId5"/>
-    <p:sldId id="260" r:id="rId6"/>
-    <p:sldId id="261" r:id="rId7"/>
-    <p:sldId id="262" r:id="rId8"/>
-    <p:sldId id="263" r:id="rId9"/>
+    <p:sldId id="264" r:id="rId4"/>
+    <p:sldId id="258" r:id="rId5"/>
+    <p:sldId id="259" r:id="rId6"/>
+    <p:sldId id="260" r:id="rId7"/>
+    <p:sldId id="261" r:id="rId8"/>
+    <p:sldId id="262" r:id="rId9"/>
+    <p:sldId id="263" r:id="rId10"/>
   </p:sldIdLst>
   <p:sldSz cx="12192000" cy="6858000"/>
   <p:notesSz cx="6858000" cy="9144000"/>
@@ -250,7 +251,7 @@
           <a:p>
             <a:fld id="{8D8DFD25-F3E9-4933-84FA-FBA2246F4374}" type="datetimeFigureOut">
               <a:rPr lang="ru-RU" smtClean="0"/>
-              <a:t>06.06.2018</a:t>
+              <a:t>10.06.2018</a:t>
             </a:fld>
             <a:endParaRPr lang="ru-RU"/>
           </a:p>
@@ -420,7 +421,7 @@
           <a:p>
             <a:fld id="{8D8DFD25-F3E9-4933-84FA-FBA2246F4374}" type="datetimeFigureOut">
               <a:rPr lang="ru-RU" smtClean="0"/>
-              <a:t>06.06.2018</a:t>
+              <a:t>10.06.2018</a:t>
             </a:fld>
             <a:endParaRPr lang="ru-RU"/>
           </a:p>
@@ -600,7 +601,7 @@
           <a:p>
             <a:fld id="{8D8DFD25-F3E9-4933-84FA-FBA2246F4374}" type="datetimeFigureOut">
               <a:rPr lang="ru-RU" smtClean="0"/>
-              <a:t>06.06.2018</a:t>
+              <a:t>10.06.2018</a:t>
             </a:fld>
             <a:endParaRPr lang="ru-RU"/>
           </a:p>
@@ -770,7 +771,7 @@
           <a:p>
             <a:fld id="{8D8DFD25-F3E9-4933-84FA-FBA2246F4374}" type="datetimeFigureOut">
               <a:rPr lang="ru-RU" smtClean="0"/>
-              <a:t>06.06.2018</a:t>
+              <a:t>10.06.2018</a:t>
             </a:fld>
             <a:endParaRPr lang="ru-RU"/>
           </a:p>
@@ -1016,7 +1017,7 @@
           <a:p>
             <a:fld id="{8D8DFD25-F3E9-4933-84FA-FBA2246F4374}" type="datetimeFigureOut">
               <a:rPr lang="ru-RU" smtClean="0"/>
-              <a:t>06.06.2018</a:t>
+              <a:t>10.06.2018</a:t>
             </a:fld>
             <a:endParaRPr lang="ru-RU"/>
           </a:p>
@@ -1248,7 +1249,7 @@
           <a:p>
             <a:fld id="{8D8DFD25-F3E9-4933-84FA-FBA2246F4374}" type="datetimeFigureOut">
               <a:rPr lang="ru-RU" smtClean="0"/>
-              <a:t>06.06.2018</a:t>
+              <a:t>10.06.2018</a:t>
             </a:fld>
             <a:endParaRPr lang="ru-RU"/>
           </a:p>
@@ -1615,7 +1616,7 @@
           <a:p>
             <a:fld id="{8D8DFD25-F3E9-4933-84FA-FBA2246F4374}" type="datetimeFigureOut">
               <a:rPr lang="ru-RU" smtClean="0"/>
-              <a:t>06.06.2018</a:t>
+              <a:t>10.06.2018</a:t>
             </a:fld>
             <a:endParaRPr lang="ru-RU"/>
           </a:p>
@@ -1733,7 +1734,7 @@
           <a:p>
             <a:fld id="{8D8DFD25-F3E9-4933-84FA-FBA2246F4374}" type="datetimeFigureOut">
               <a:rPr lang="ru-RU" smtClean="0"/>
-              <a:t>06.06.2018</a:t>
+              <a:t>10.06.2018</a:t>
             </a:fld>
             <a:endParaRPr lang="ru-RU"/>
           </a:p>
@@ -1828,7 +1829,7 @@
           <a:p>
             <a:fld id="{8D8DFD25-F3E9-4933-84FA-FBA2246F4374}" type="datetimeFigureOut">
               <a:rPr lang="ru-RU" smtClean="0"/>
-              <a:t>06.06.2018</a:t>
+              <a:t>10.06.2018</a:t>
             </a:fld>
             <a:endParaRPr lang="ru-RU"/>
           </a:p>
@@ -2105,7 +2106,7 @@
           <a:p>
             <a:fld id="{8D8DFD25-F3E9-4933-84FA-FBA2246F4374}" type="datetimeFigureOut">
               <a:rPr lang="ru-RU" smtClean="0"/>
-              <a:t>06.06.2018</a:t>
+              <a:t>10.06.2018</a:t>
             </a:fld>
             <a:endParaRPr lang="ru-RU"/>
           </a:p>
@@ -2358,7 +2359,7 @@
           <a:p>
             <a:fld id="{8D8DFD25-F3E9-4933-84FA-FBA2246F4374}" type="datetimeFigureOut">
               <a:rPr lang="ru-RU" smtClean="0"/>
-              <a:t>06.06.2018</a:t>
+              <a:t>10.06.2018</a:t>
             </a:fld>
             <a:endParaRPr lang="ru-RU"/>
           </a:p>
@@ -2571,7 +2572,7 @@
           <a:p>
             <a:fld id="{8D8DFD25-F3E9-4933-84FA-FBA2246F4374}" type="datetimeFigureOut">
               <a:rPr lang="ru-RU" smtClean="0"/>
-              <a:t>06.06.2018</a:t>
+              <a:t>10.06.2018</a:t>
             </a:fld>
             <a:endParaRPr lang="ru-RU"/>
           </a:p>
@@ -3174,7 +3175,7 @@
         </p:nvGraphicFramePr>
         <p:xfrm>
           <a:off x="1804930" y="5212080"/>
-          <a:ext cx="8978747" cy="1097280"/>
+          <a:ext cx="8978747" cy="980060"/>
         </p:xfrm>
         <a:graphic>
           <a:graphicData uri="http://schemas.openxmlformats.org/drawingml/2006/table">
@@ -3693,36 +3694,31 @@
         </p:nvSpPr>
         <p:spPr>
           <a:xfrm>
-            <a:off x="838200" y="2178165"/>
+            <a:off x="838200" y="1844924"/>
             <a:ext cx="10515600" cy="4351338"/>
           </a:xfrm>
         </p:spPr>
         <p:txBody>
           <a:bodyPr/>
           <a:lstStyle/>
-          <a:p>
-            <a:pPr marL="0" indent="0" algn="ctr">
-              <a:buNone/>
-            </a:pPr>
-            <a:r>
-              <a:rPr lang="ru-RU" dirty="0">
-                <a:latin typeface="Times New Roman" panose="02020603050405020304" pitchFamily="18" charset="0"/>
-                <a:cs typeface="Times New Roman" panose="02020603050405020304" pitchFamily="18" charset="0"/>
-              </a:rPr>
-              <a:t>Входе работы были сформулированы следующие задачи:</a:t>
-            </a:r>
-          </a:p>
           <a:p>
             <a:pPr marL="514350" lvl="0" indent="-514350">
               <a:buFont typeface="+mj-lt"/>
               <a:buAutoNum type="arabicPeriod"/>
             </a:pPr>
             <a:r>
-              <a:rPr lang="ru-RU" dirty="0">
+              <a:rPr lang="ru-RU" sz="3600" dirty="0" smtClean="0">
                 <a:latin typeface="Times New Roman" panose="02020603050405020304" pitchFamily="18" charset="0"/>
                 <a:cs typeface="Times New Roman" panose="02020603050405020304" pitchFamily="18" charset="0"/>
               </a:rPr>
-              <a:t>Изучить виды и принципы построения распределенных систем</a:t>
+              <a:t>Изучить </a:t>
+            </a:r>
+            <a:r>
+              <a:rPr lang="ru-RU" sz="3600" dirty="0">
+                <a:latin typeface="Times New Roman" panose="02020603050405020304" pitchFamily="18" charset="0"/>
+                <a:cs typeface="Times New Roman" panose="02020603050405020304" pitchFamily="18" charset="0"/>
+              </a:rPr>
+              <a:t>виды и принципы построения распределенных систем</a:t>
             </a:r>
           </a:p>
           <a:p>
@@ -3731,20 +3727,20 @@
               <a:buAutoNum type="arabicPeriod"/>
             </a:pPr>
             <a:r>
-              <a:rPr lang="ru-RU" dirty="0">
+              <a:rPr lang="ru-RU" sz="3600" dirty="0">
                 <a:latin typeface="Times New Roman" panose="02020603050405020304" pitchFamily="18" charset="0"/>
                 <a:cs typeface="Times New Roman" panose="02020603050405020304" pitchFamily="18" charset="0"/>
               </a:rPr>
               <a:t>Смоделировать работу широковещательного алгоритма </a:t>
             </a:r>
             <a:r>
-              <a:rPr lang="ru-RU" dirty="0" err="1">
+              <a:rPr lang="ru-RU" sz="3600" dirty="0" err="1">
                 <a:latin typeface="Times New Roman" panose="02020603050405020304" pitchFamily="18" charset="0"/>
                 <a:cs typeface="Times New Roman" panose="02020603050405020304" pitchFamily="18" charset="0"/>
               </a:rPr>
               <a:t>Сузуки-Касами</a:t>
             </a:r>
-            <a:endParaRPr lang="ru-RU" dirty="0">
+            <a:endParaRPr lang="ru-RU" sz="3600" dirty="0">
               <a:latin typeface="Times New Roman" panose="02020603050405020304" pitchFamily="18" charset="0"/>
               <a:cs typeface="Times New Roman" panose="02020603050405020304" pitchFamily="18" charset="0"/>
             </a:endParaRPr>
@@ -3768,6 +3764,131 @@
 </file>
 
 <file path=ppt/slides/slide3.xml><?xml version="1.0" encoding="utf-8"?>
+<p:sld xmlns:a="http://schemas.openxmlformats.org/drawingml/2006/main" xmlns:r="http://schemas.openxmlformats.org/officeDocument/2006/relationships" xmlns:p="http://schemas.openxmlformats.org/presentationml/2006/main">
+  <p:cSld>
+    <p:spTree>
+      <p:nvGrpSpPr>
+        <p:cNvPr id="1" name=""/>
+        <p:cNvGrpSpPr/>
+        <p:nvPr/>
+      </p:nvGrpSpPr>
+      <p:grpSpPr>
+        <a:xfrm>
+          <a:off x="0" y="0"/>
+          <a:ext cx="0" cy="0"/>
+          <a:chOff x="0" y="0"/>
+          <a:chExt cx="0" cy="0"/>
+        </a:xfrm>
+      </p:grpSpPr>
+      <p:sp>
+        <p:nvSpPr>
+          <p:cNvPr id="2" name="Заголовок 1"/>
+          <p:cNvSpPr>
+            <a:spLocks noGrp="1"/>
+          </p:cNvSpPr>
+          <p:nvPr>
+            <p:ph type="title"/>
+          </p:nvPr>
+        </p:nvSpPr>
+        <p:spPr>
+          <a:xfrm>
+            <a:off x="838200" y="365125"/>
+            <a:ext cx="10696460" cy="1325563"/>
+          </a:xfrm>
+        </p:spPr>
+        <p:txBody>
+          <a:bodyPr/>
+          <a:lstStyle/>
+          <a:p>
+            <a:r>
+              <a:rPr lang="ru-RU" dirty="0" smtClean="0">
+                <a:latin typeface="Times New Roman" panose="02020603050405020304" pitchFamily="18" charset="0"/>
+                <a:cs typeface="Times New Roman" panose="02020603050405020304" pitchFamily="18" charset="0"/>
+              </a:rPr>
+              <a:t>Основные свойства распределенных систем</a:t>
+            </a:r>
+            <a:endParaRPr lang="ru-RU" dirty="0">
+              <a:latin typeface="Times New Roman" panose="02020603050405020304" pitchFamily="18" charset="0"/>
+              <a:cs typeface="Times New Roman" panose="02020603050405020304" pitchFamily="18" charset="0"/>
+            </a:endParaRPr>
+          </a:p>
+        </p:txBody>
+      </p:sp>
+      <p:sp>
+        <p:nvSpPr>
+          <p:cNvPr id="3" name="Объект 2"/>
+          <p:cNvSpPr>
+            <a:spLocks noGrp="1"/>
+          </p:cNvSpPr>
+          <p:nvPr>
+            <p:ph idx="1"/>
+          </p:nvPr>
+        </p:nvSpPr>
+        <p:spPr/>
+        <p:txBody>
+          <a:bodyPr>
+            <a:normAutofit/>
+          </a:bodyPr>
+          <a:lstStyle/>
+          <a:p>
+            <a:pPr marL="514350" indent="-514350">
+              <a:buFont typeface="+mj-lt"/>
+              <a:buAutoNum type="arabicPeriod"/>
+            </a:pPr>
+            <a:r>
+              <a:rPr lang="ru-RU" sz="3600" dirty="0" smtClean="0">
+                <a:latin typeface="Times New Roman" panose="02020603050405020304" pitchFamily="18" charset="0"/>
+                <a:cs typeface="Times New Roman" panose="02020603050405020304" pitchFamily="18" charset="0"/>
+              </a:rPr>
+              <a:t>Прозрачность</a:t>
+            </a:r>
+          </a:p>
+          <a:p>
+            <a:pPr marL="514350" indent="-514350">
+              <a:buFont typeface="+mj-lt"/>
+              <a:buAutoNum type="arabicPeriod"/>
+            </a:pPr>
+            <a:r>
+              <a:rPr lang="ru-RU" sz="3600" dirty="0" smtClean="0">
+                <a:latin typeface="Times New Roman" panose="02020603050405020304" pitchFamily="18" charset="0"/>
+                <a:cs typeface="Times New Roman" panose="02020603050405020304" pitchFamily="18" charset="0"/>
+              </a:rPr>
+              <a:t>Открытость</a:t>
+            </a:r>
+          </a:p>
+          <a:p>
+            <a:pPr marL="514350" indent="-514350">
+              <a:buFont typeface="+mj-lt"/>
+              <a:buAutoNum type="arabicPeriod"/>
+            </a:pPr>
+            <a:r>
+              <a:rPr lang="ru-RU" sz="3600" dirty="0" smtClean="0">
+                <a:latin typeface="Times New Roman" panose="02020603050405020304" pitchFamily="18" charset="0"/>
+                <a:cs typeface="Times New Roman" panose="02020603050405020304" pitchFamily="18" charset="0"/>
+              </a:rPr>
+              <a:t>Масштабируемость</a:t>
+            </a:r>
+            <a:endParaRPr lang="ru-RU" sz="3600" dirty="0">
+              <a:latin typeface="Times New Roman" panose="02020603050405020304" pitchFamily="18" charset="0"/>
+              <a:cs typeface="Times New Roman" panose="02020603050405020304" pitchFamily="18" charset="0"/>
+            </a:endParaRPr>
+          </a:p>
+        </p:txBody>
+      </p:sp>
+    </p:spTree>
+    <p:extLst>
+      <p:ext uri="{BB962C8B-B14F-4D97-AF65-F5344CB8AC3E}">
+        <p14:creationId xmlns:p14="http://schemas.microsoft.com/office/powerpoint/2010/main" val="572553697"/>
+      </p:ext>
+    </p:extLst>
+  </p:cSld>
+  <p:clrMapOvr>
+    <a:masterClrMapping/>
+  </p:clrMapOvr>
+</p:sld>
+</file>
+
+<file path=ppt/slides/slide4.xml><?xml version="1.0" encoding="utf-8"?>
 <p:sld xmlns:a="http://schemas.openxmlformats.org/drawingml/2006/main" xmlns:r="http://schemas.openxmlformats.org/officeDocument/2006/relationships" xmlns:p="http://schemas.openxmlformats.org/presentationml/2006/main">
   <p:cSld>
     <p:spTree>
@@ -3921,7 +4042,7 @@
 </p:sld>
 </file>
 
-<file path=ppt/slides/slide4.xml><?xml version="1.0" encoding="utf-8"?>
+<file path=ppt/slides/slide5.xml><?xml version="1.0" encoding="utf-8"?>
 <p:sld xmlns:a="http://schemas.openxmlformats.org/drawingml/2006/main" xmlns:r="http://schemas.openxmlformats.org/officeDocument/2006/relationships" xmlns:p="http://schemas.openxmlformats.org/presentationml/2006/main">
   <p:cSld>
     <p:spTree>
@@ -4007,7 +4128,7 @@
 </p:sld>
 </file>
 
-<file path=ppt/slides/slide5.xml><?xml version="1.0" encoding="utf-8"?>
+<file path=ppt/slides/slide6.xml><?xml version="1.0" encoding="utf-8"?>
 <p:sld xmlns:a="http://schemas.openxmlformats.org/drawingml/2006/main" xmlns:r="http://schemas.openxmlformats.org/officeDocument/2006/relationships" xmlns:p="http://schemas.openxmlformats.org/presentationml/2006/main">
   <p:cSld>
     <p:spTree>
@@ -4098,7 +4219,7 @@
 </p:sld>
 </file>
 
-<file path=ppt/slides/slide6.xml><?xml version="1.0" encoding="utf-8"?>
+<file path=ppt/slides/slide7.xml><?xml version="1.0" encoding="utf-8"?>
 <p:sld xmlns:a="http://schemas.openxmlformats.org/drawingml/2006/main" xmlns:r="http://schemas.openxmlformats.org/officeDocument/2006/relationships" xmlns:p="http://schemas.openxmlformats.org/presentationml/2006/main">
   <p:cSld>
     <p:spTree>
@@ -4163,8 +4284,8 @@
         </p:blipFill>
         <p:spPr>
           <a:xfrm>
-            <a:off x="2313541" y="1927952"/>
-            <a:ext cx="7521037" cy="4463201"/>
+            <a:off x="1913723" y="1690688"/>
+            <a:ext cx="7920856" cy="4700465"/>
           </a:xfrm>
           <a:prstGeom prst="rect">
             <a:avLst/>
@@ -4184,7 +4305,7 @@
 </p:sld>
 </file>
 
-<file path=ppt/slides/slide7.xml><?xml version="1.0" encoding="utf-8"?>
+<file path=ppt/slides/slide8.xml><?xml version="1.0" encoding="utf-8"?>
 <p:sld xmlns:a="http://schemas.openxmlformats.org/drawingml/2006/main" xmlns:r="http://schemas.openxmlformats.org/officeDocument/2006/relationships" xmlns:p="http://schemas.openxmlformats.org/presentationml/2006/main">
   <p:cSld>
     <p:spTree>
@@ -4252,48 +4373,44 @@
           </a:xfrm>
         </p:spPr>
         <p:txBody>
-          <a:bodyPr/>
-          <a:lstStyle/>
-          <a:p>
-            <a:pPr marL="0" indent="0" algn="just">
-              <a:buNone/>
-            </a:pPr>
-            <a:r>
-              <a:rPr lang="ru-RU" dirty="0">
+          <a:bodyPr>
+            <a:normAutofit/>
+          </a:bodyPr>
+          <a:lstStyle/>
+          <a:p>
+            <a:pPr algn="just"/>
+            <a:r>
+              <a:rPr lang="ru-RU" sz="3600" dirty="0" smtClean="0">
                 <a:latin typeface="Times New Roman" panose="02020603050405020304" pitchFamily="18" charset="0"/>
                 <a:cs typeface="Times New Roman" panose="02020603050405020304" pitchFamily="18" charset="0"/>
               </a:rPr>
-              <a:t>В результате работы были изучены основные понятия распределенных систем и их важнейшие свойства. Подробно рассмотрен один из множества алгоритмов распределенных систем, который оптимизируют работу КС. Для понимания его работы, было написано оконное многопоточное приложение на языке </a:t>
-            </a:r>
-            <a:r>
-              <a:rPr lang="en-US" dirty="0">
+              <a:t>Были и</a:t>
+            </a:r>
+            <a:r>
+              <a:rPr lang="ru-RU" sz="3600" dirty="0" smtClean="0">
                 <a:latin typeface="Times New Roman" panose="02020603050405020304" pitchFamily="18" charset="0"/>
                 <a:cs typeface="Times New Roman" panose="02020603050405020304" pitchFamily="18" charset="0"/>
               </a:rPr>
-              <a:t>C</a:t>
-            </a:r>
-            <a:r>
-              <a:rPr lang="ru-RU" dirty="0">
+              <a:t>зучены основные понятия и свойства распределенных систем</a:t>
+            </a:r>
+          </a:p>
+          <a:p>
+            <a:pPr algn="just"/>
+            <a:r>
+              <a:rPr lang="ru-RU" sz="3600" dirty="0" smtClean="0">
                 <a:latin typeface="Times New Roman" panose="02020603050405020304" pitchFamily="18" charset="0"/>
                 <a:cs typeface="Times New Roman" panose="02020603050405020304" pitchFamily="18" charset="0"/>
               </a:rPr>
-              <a:t># с использованием объектно-ориентированного программирования. Программа моделирует работу распределенной системы, организованной с помощью алгоритма </a:t>
-            </a:r>
-            <a:r>
-              <a:rPr lang="ru-RU" dirty="0" err="1">
+              <a:t>Написано приложение демонстрирующее работу распределенного алгоритма </a:t>
+            </a:r>
+            <a:r>
+              <a:rPr lang="ru-RU" sz="3600" dirty="0" err="1" smtClean="0">
                 <a:latin typeface="Times New Roman" panose="02020603050405020304" pitchFamily="18" charset="0"/>
                 <a:cs typeface="Times New Roman" panose="02020603050405020304" pitchFamily="18" charset="0"/>
               </a:rPr>
               <a:t>Сузуки-Касами</a:t>
             </a:r>
-            <a:r>
-              <a:rPr lang="ru-RU" dirty="0">
-                <a:latin typeface="Times New Roman" panose="02020603050405020304" pitchFamily="18" charset="0"/>
-                <a:cs typeface="Times New Roman" panose="02020603050405020304" pitchFamily="18" charset="0"/>
-              </a:rPr>
-              <a:t>, на сгенерированных потоках.</a:t>
-            </a:r>
-            <a:endParaRPr lang="ru-RU" dirty="0">
+            <a:endParaRPr lang="ru-RU" sz="3600" dirty="0">
               <a:latin typeface="Times New Roman" panose="02020603050405020304" pitchFamily="18" charset="0"/>
               <a:cs typeface="Times New Roman" panose="02020603050405020304" pitchFamily="18" charset="0"/>
             </a:endParaRPr>
@@ -4313,7 +4430,7 @@
 </p:sld>
 </file>
 
-<file path=ppt/slides/slide8.xml><?xml version="1.0" encoding="utf-8"?>
+<file path=ppt/slides/slide9.xml><?xml version="1.0" encoding="utf-8"?>
 <p:sld xmlns:a="http://schemas.openxmlformats.org/drawingml/2006/main" xmlns:r="http://schemas.openxmlformats.org/officeDocument/2006/relationships" xmlns:p="http://schemas.openxmlformats.org/presentationml/2006/main">
   <p:cSld>
     <p:spTree>
